--- a/docs/MPMCPlacement.pptx
+++ b/docs/MPMCPlacement.pptx
@@ -6,6 +6,7 @@
   </p:sldMasterIdLst>
   <p:sldIdLst>
     <p:sldId id="256" r:id="rId2"/>
+    <p:sldId id="257" r:id="rId3"/>
   </p:sldIdLst>
   <p:sldSz cx="9001125" cy="14401800"/>
   <p:notesSz cx="6858000" cy="9144000"/>
@@ -104,6 +105,22 @@
       </a:defRPr>
     </a:lvl9pPr>
   </p:defaultTextStyle>
+  <p:extLst>
+    <p:ext uri="{EFAFB233-063F-42B5-8137-9DF3F51BA10A}">
+      <p15:sldGuideLst xmlns:p15="http://schemas.microsoft.com/office/powerpoint/2012/main">
+        <p15:guide id="1" orient="horz" pos="4536">
+          <p15:clr>
+            <a:srgbClr val="A4A3A4"/>
+          </p15:clr>
+        </p15:guide>
+        <p15:guide id="2" pos="2835">
+          <p15:clr>
+            <a:srgbClr val="A4A3A4"/>
+          </p15:clr>
+        </p15:guide>
+      </p15:sldGuideLst>
+    </p:ext>
+  </p:extLst>
 </p:presentation>
 </file>
 
@@ -145,7 +162,7 @@
           <a:lstStyle/>
           <a:p>
             <a:r>
-              <a:rPr lang="en-US" smtClean="0"/>
+              <a:rPr lang="en-US"/>
               <a:t>Click to edit Master title style</a:t>
             </a:r>
             <a:endParaRPr lang="en-CA"/>
@@ -264,7 +281,7 @@
           </a:lstStyle>
           <a:p>
             <a:r>
-              <a:rPr lang="en-US" smtClean="0"/>
+              <a:rPr lang="en-US"/>
               <a:t>Click to edit Master subtitle style</a:t>
             </a:r>
             <a:endParaRPr lang="en-CA"/>
@@ -288,7 +305,7 @@
           <a:p>
             <a:fld id="{EEBFDBAE-1667-4A96-9D29-27BFC94744F9}" type="datetimeFigureOut">
               <a:rPr lang="en-CA" smtClean="0"/>
-              <a:t>2016-07-28</a:t>
+              <a:t>2024-10-24</a:t>
             </a:fld>
             <a:endParaRPr lang="en-CA"/>
           </a:p>
@@ -382,7 +399,7 @@
           <a:lstStyle/>
           <a:p>
             <a:r>
-              <a:rPr lang="en-US" smtClean="0"/>
+              <a:rPr lang="en-US"/>
               <a:t>Click to edit Master title style</a:t>
             </a:r>
             <a:endParaRPr lang="en-CA"/>
@@ -406,35 +423,35 @@
           <a:p>
             <a:pPr lvl="0"/>
             <a:r>
-              <a:rPr lang="en-US" smtClean="0"/>
+              <a:rPr lang="en-US"/>
               <a:t>Click to edit Master text styles</a:t>
             </a:r>
           </a:p>
           <a:p>
             <a:pPr lvl="1"/>
             <a:r>
-              <a:rPr lang="en-US" smtClean="0"/>
+              <a:rPr lang="en-US"/>
               <a:t>Second level</a:t>
             </a:r>
           </a:p>
           <a:p>
             <a:pPr lvl="2"/>
             <a:r>
-              <a:rPr lang="en-US" smtClean="0"/>
+              <a:rPr lang="en-US"/>
               <a:t>Third level</a:t>
             </a:r>
           </a:p>
           <a:p>
             <a:pPr lvl="3"/>
             <a:r>
-              <a:rPr lang="en-US" smtClean="0"/>
+              <a:rPr lang="en-US"/>
               <a:t>Fourth level</a:t>
             </a:r>
           </a:p>
           <a:p>
             <a:pPr lvl="4"/>
             <a:r>
-              <a:rPr lang="en-US" smtClean="0"/>
+              <a:rPr lang="en-US"/>
               <a:t>Fifth level</a:t>
             </a:r>
             <a:endParaRPr lang="en-CA"/>
@@ -458,7 +475,7 @@
           <a:p>
             <a:fld id="{EEBFDBAE-1667-4A96-9D29-27BFC94744F9}" type="datetimeFigureOut">
               <a:rPr lang="en-CA" smtClean="0"/>
-              <a:t>2016-07-28</a:t>
+              <a:t>2024-10-24</a:t>
             </a:fld>
             <a:endParaRPr lang="en-CA"/>
           </a:p>
@@ -557,7 +574,7 @@
           <a:lstStyle/>
           <a:p>
             <a:r>
-              <a:rPr lang="en-US" smtClean="0"/>
+              <a:rPr lang="en-US"/>
               <a:t>Click to edit Master title style</a:t>
             </a:r>
             <a:endParaRPr lang="en-CA"/>
@@ -586,35 +603,35 @@
           <a:p>
             <a:pPr lvl="0"/>
             <a:r>
-              <a:rPr lang="en-US" smtClean="0"/>
+              <a:rPr lang="en-US"/>
               <a:t>Click to edit Master text styles</a:t>
             </a:r>
           </a:p>
           <a:p>
             <a:pPr lvl="1"/>
             <a:r>
-              <a:rPr lang="en-US" smtClean="0"/>
+              <a:rPr lang="en-US"/>
               <a:t>Second level</a:t>
             </a:r>
           </a:p>
           <a:p>
             <a:pPr lvl="2"/>
             <a:r>
-              <a:rPr lang="en-US" smtClean="0"/>
+              <a:rPr lang="en-US"/>
               <a:t>Third level</a:t>
             </a:r>
           </a:p>
           <a:p>
             <a:pPr lvl="3"/>
             <a:r>
-              <a:rPr lang="en-US" smtClean="0"/>
+              <a:rPr lang="en-US"/>
               <a:t>Fourth level</a:t>
             </a:r>
           </a:p>
           <a:p>
             <a:pPr lvl="4"/>
             <a:r>
-              <a:rPr lang="en-US" smtClean="0"/>
+              <a:rPr lang="en-US"/>
               <a:t>Fifth level</a:t>
             </a:r>
             <a:endParaRPr lang="en-CA"/>
@@ -638,7 +655,7 @@
           <a:p>
             <a:fld id="{EEBFDBAE-1667-4A96-9D29-27BFC94744F9}" type="datetimeFigureOut">
               <a:rPr lang="en-CA" smtClean="0"/>
-              <a:t>2016-07-28</a:t>
+              <a:t>2024-10-24</a:t>
             </a:fld>
             <a:endParaRPr lang="en-CA"/>
           </a:p>
@@ -732,7 +749,7 @@
           <a:lstStyle/>
           <a:p>
             <a:r>
-              <a:rPr lang="en-US" smtClean="0"/>
+              <a:rPr lang="en-US"/>
               <a:t>Click to edit Master title style</a:t>
             </a:r>
             <a:endParaRPr lang="en-CA"/>
@@ -756,35 +773,35 @@
           <a:p>
             <a:pPr lvl="0"/>
             <a:r>
-              <a:rPr lang="en-US" smtClean="0"/>
+              <a:rPr lang="en-US"/>
               <a:t>Click to edit Master text styles</a:t>
             </a:r>
           </a:p>
           <a:p>
             <a:pPr lvl="1"/>
             <a:r>
-              <a:rPr lang="en-US" smtClean="0"/>
+              <a:rPr lang="en-US"/>
               <a:t>Second level</a:t>
             </a:r>
           </a:p>
           <a:p>
             <a:pPr lvl="2"/>
             <a:r>
-              <a:rPr lang="en-US" smtClean="0"/>
+              <a:rPr lang="en-US"/>
               <a:t>Third level</a:t>
             </a:r>
           </a:p>
           <a:p>
             <a:pPr lvl="3"/>
             <a:r>
-              <a:rPr lang="en-US" smtClean="0"/>
+              <a:rPr lang="en-US"/>
               <a:t>Fourth level</a:t>
             </a:r>
           </a:p>
           <a:p>
             <a:pPr lvl="4"/>
             <a:r>
-              <a:rPr lang="en-US" smtClean="0"/>
+              <a:rPr lang="en-US"/>
               <a:t>Fifth level</a:t>
             </a:r>
             <a:endParaRPr lang="en-CA"/>
@@ -808,7 +825,7 @@
           <a:p>
             <a:fld id="{EEBFDBAE-1667-4A96-9D29-27BFC94744F9}" type="datetimeFigureOut">
               <a:rPr lang="en-CA" smtClean="0"/>
-              <a:t>2016-07-28</a:t>
+              <a:t>2024-10-24</a:t>
             </a:fld>
             <a:endParaRPr lang="en-CA"/>
           </a:p>
@@ -911,7 +928,7 @@
           </a:lstStyle>
           <a:p>
             <a:r>
-              <a:rPr lang="en-US" smtClean="0"/>
+              <a:rPr lang="en-US"/>
               <a:t>Click to edit Master title style</a:t>
             </a:r>
             <a:endParaRPr lang="en-CA"/>
@@ -1031,7 +1048,7 @@
           <a:p>
             <a:pPr lvl="0"/>
             <a:r>
-              <a:rPr lang="en-US" smtClean="0"/>
+              <a:rPr lang="en-US"/>
               <a:t>Click to edit Master text styles</a:t>
             </a:r>
           </a:p>
@@ -1054,7 +1071,7 @@
           <a:p>
             <a:fld id="{EEBFDBAE-1667-4A96-9D29-27BFC94744F9}" type="datetimeFigureOut">
               <a:rPr lang="en-CA" smtClean="0"/>
-              <a:t>2016-07-28</a:t>
+              <a:t>2024-10-24</a:t>
             </a:fld>
             <a:endParaRPr lang="en-CA"/>
           </a:p>
@@ -1148,7 +1165,7 @@
           <a:lstStyle/>
           <a:p>
             <a:r>
-              <a:rPr lang="en-US" smtClean="0"/>
+              <a:rPr lang="en-US"/>
               <a:t>Click to edit Master title style</a:t>
             </a:r>
             <a:endParaRPr lang="en-CA"/>
@@ -1205,35 +1222,35 @@
           <a:p>
             <a:pPr lvl="0"/>
             <a:r>
-              <a:rPr lang="en-US" smtClean="0"/>
+              <a:rPr lang="en-US"/>
               <a:t>Click to edit Master text styles</a:t>
             </a:r>
           </a:p>
           <a:p>
             <a:pPr lvl="1"/>
             <a:r>
-              <a:rPr lang="en-US" smtClean="0"/>
+              <a:rPr lang="en-US"/>
               <a:t>Second level</a:t>
             </a:r>
           </a:p>
           <a:p>
             <a:pPr lvl="2"/>
             <a:r>
-              <a:rPr lang="en-US" smtClean="0"/>
+              <a:rPr lang="en-US"/>
               <a:t>Third level</a:t>
             </a:r>
           </a:p>
           <a:p>
             <a:pPr lvl="3"/>
             <a:r>
-              <a:rPr lang="en-US" smtClean="0"/>
+              <a:rPr lang="en-US"/>
               <a:t>Fourth level</a:t>
             </a:r>
           </a:p>
           <a:p>
             <a:pPr lvl="4"/>
             <a:r>
-              <a:rPr lang="en-US" smtClean="0"/>
+              <a:rPr lang="en-US"/>
               <a:t>Fifth level</a:t>
             </a:r>
             <a:endParaRPr lang="en-CA"/>
@@ -1290,35 +1307,35 @@
           <a:p>
             <a:pPr lvl="0"/>
             <a:r>
-              <a:rPr lang="en-US" smtClean="0"/>
+              <a:rPr lang="en-US"/>
               <a:t>Click to edit Master text styles</a:t>
             </a:r>
           </a:p>
           <a:p>
             <a:pPr lvl="1"/>
             <a:r>
-              <a:rPr lang="en-US" smtClean="0"/>
+              <a:rPr lang="en-US"/>
               <a:t>Second level</a:t>
             </a:r>
           </a:p>
           <a:p>
             <a:pPr lvl="2"/>
             <a:r>
-              <a:rPr lang="en-US" smtClean="0"/>
+              <a:rPr lang="en-US"/>
               <a:t>Third level</a:t>
             </a:r>
           </a:p>
           <a:p>
             <a:pPr lvl="3"/>
             <a:r>
-              <a:rPr lang="en-US" smtClean="0"/>
+              <a:rPr lang="en-US"/>
               <a:t>Fourth level</a:t>
             </a:r>
           </a:p>
           <a:p>
             <a:pPr lvl="4"/>
             <a:r>
-              <a:rPr lang="en-US" smtClean="0"/>
+              <a:rPr lang="en-US"/>
               <a:t>Fifth level</a:t>
             </a:r>
             <a:endParaRPr lang="en-CA"/>
@@ -1342,7 +1359,7 @@
           <a:p>
             <a:fld id="{EEBFDBAE-1667-4A96-9D29-27BFC94744F9}" type="datetimeFigureOut">
               <a:rPr lang="en-CA" smtClean="0"/>
-              <a:t>2016-07-28</a:t>
+              <a:t>2024-10-24</a:t>
             </a:fld>
             <a:endParaRPr lang="en-CA"/>
           </a:p>
@@ -1440,7 +1457,7 @@
           </a:lstStyle>
           <a:p>
             <a:r>
-              <a:rPr lang="en-US" smtClean="0"/>
+              <a:rPr lang="en-US"/>
               <a:t>Click to edit Master title style</a:t>
             </a:r>
             <a:endParaRPr lang="en-CA"/>
@@ -1506,7 +1523,7 @@
           <a:p>
             <a:pPr lvl="0"/>
             <a:r>
-              <a:rPr lang="en-US" smtClean="0"/>
+              <a:rPr lang="en-US"/>
               <a:t>Click to edit Master text styles</a:t>
             </a:r>
           </a:p>
@@ -1562,35 +1579,35 @@
           <a:p>
             <a:pPr lvl="0"/>
             <a:r>
-              <a:rPr lang="en-US" smtClean="0"/>
+              <a:rPr lang="en-US"/>
               <a:t>Click to edit Master text styles</a:t>
             </a:r>
           </a:p>
           <a:p>
             <a:pPr lvl="1"/>
             <a:r>
-              <a:rPr lang="en-US" smtClean="0"/>
+              <a:rPr lang="en-US"/>
               <a:t>Second level</a:t>
             </a:r>
           </a:p>
           <a:p>
             <a:pPr lvl="2"/>
             <a:r>
-              <a:rPr lang="en-US" smtClean="0"/>
+              <a:rPr lang="en-US"/>
               <a:t>Third level</a:t>
             </a:r>
           </a:p>
           <a:p>
             <a:pPr lvl="3"/>
             <a:r>
-              <a:rPr lang="en-US" smtClean="0"/>
+              <a:rPr lang="en-US"/>
               <a:t>Fourth level</a:t>
             </a:r>
           </a:p>
           <a:p>
             <a:pPr lvl="4"/>
             <a:r>
-              <a:rPr lang="en-US" smtClean="0"/>
+              <a:rPr lang="en-US"/>
               <a:t>Fifth level</a:t>
             </a:r>
             <a:endParaRPr lang="en-CA"/>
@@ -1656,7 +1673,7 @@
           <a:p>
             <a:pPr lvl="0"/>
             <a:r>
-              <a:rPr lang="en-US" smtClean="0"/>
+              <a:rPr lang="en-US"/>
               <a:t>Click to edit Master text styles</a:t>
             </a:r>
           </a:p>
@@ -1712,35 +1729,35 @@
           <a:p>
             <a:pPr lvl="0"/>
             <a:r>
-              <a:rPr lang="en-US" smtClean="0"/>
+              <a:rPr lang="en-US"/>
               <a:t>Click to edit Master text styles</a:t>
             </a:r>
           </a:p>
           <a:p>
             <a:pPr lvl="1"/>
             <a:r>
-              <a:rPr lang="en-US" smtClean="0"/>
+              <a:rPr lang="en-US"/>
               <a:t>Second level</a:t>
             </a:r>
           </a:p>
           <a:p>
             <a:pPr lvl="2"/>
             <a:r>
-              <a:rPr lang="en-US" smtClean="0"/>
+              <a:rPr lang="en-US"/>
               <a:t>Third level</a:t>
             </a:r>
           </a:p>
           <a:p>
             <a:pPr lvl="3"/>
             <a:r>
-              <a:rPr lang="en-US" smtClean="0"/>
+              <a:rPr lang="en-US"/>
               <a:t>Fourth level</a:t>
             </a:r>
           </a:p>
           <a:p>
             <a:pPr lvl="4"/>
             <a:r>
-              <a:rPr lang="en-US" smtClean="0"/>
+              <a:rPr lang="en-US"/>
               <a:t>Fifth level</a:t>
             </a:r>
             <a:endParaRPr lang="en-CA"/>
@@ -1764,7 +1781,7 @@
           <a:p>
             <a:fld id="{EEBFDBAE-1667-4A96-9D29-27BFC94744F9}" type="datetimeFigureOut">
               <a:rPr lang="en-CA" smtClean="0"/>
-              <a:t>2016-07-28</a:t>
+              <a:t>2024-10-24</a:t>
             </a:fld>
             <a:endParaRPr lang="en-CA"/>
           </a:p>
@@ -1858,7 +1875,7 @@
           <a:lstStyle/>
           <a:p>
             <a:r>
-              <a:rPr lang="en-US" smtClean="0"/>
+              <a:rPr lang="en-US"/>
               <a:t>Click to edit Master title style</a:t>
             </a:r>
             <a:endParaRPr lang="en-CA"/>
@@ -1882,7 +1899,7 @@
           <a:p>
             <a:fld id="{EEBFDBAE-1667-4A96-9D29-27BFC94744F9}" type="datetimeFigureOut">
               <a:rPr lang="en-CA" smtClean="0"/>
-              <a:t>2016-07-28</a:t>
+              <a:t>2024-10-24</a:t>
             </a:fld>
             <a:endParaRPr lang="en-CA"/>
           </a:p>
@@ -1977,7 +1994,7 @@
           <a:p>
             <a:fld id="{EEBFDBAE-1667-4A96-9D29-27BFC94744F9}" type="datetimeFigureOut">
               <a:rPr lang="en-CA" smtClean="0"/>
-              <a:t>2016-07-28</a:t>
+              <a:t>2024-10-24</a:t>
             </a:fld>
             <a:endParaRPr lang="en-CA"/>
           </a:p>
@@ -2080,7 +2097,7 @@
           </a:lstStyle>
           <a:p>
             <a:r>
-              <a:rPr lang="en-US" smtClean="0"/>
+              <a:rPr lang="en-US"/>
               <a:t>Click to edit Master title style</a:t>
             </a:r>
             <a:endParaRPr lang="en-CA"/>
@@ -2137,35 +2154,35 @@
           <a:p>
             <a:pPr lvl="0"/>
             <a:r>
-              <a:rPr lang="en-US" smtClean="0"/>
+              <a:rPr lang="en-US"/>
               <a:t>Click to edit Master text styles</a:t>
             </a:r>
           </a:p>
           <a:p>
             <a:pPr lvl="1"/>
             <a:r>
-              <a:rPr lang="en-US" smtClean="0"/>
+              <a:rPr lang="en-US"/>
               <a:t>Second level</a:t>
             </a:r>
           </a:p>
           <a:p>
             <a:pPr lvl="2"/>
             <a:r>
-              <a:rPr lang="en-US" smtClean="0"/>
+              <a:rPr lang="en-US"/>
               <a:t>Third level</a:t>
             </a:r>
           </a:p>
           <a:p>
             <a:pPr lvl="3"/>
             <a:r>
-              <a:rPr lang="en-US" smtClean="0"/>
+              <a:rPr lang="en-US"/>
               <a:t>Fourth level</a:t>
             </a:r>
           </a:p>
           <a:p>
             <a:pPr lvl="4"/>
             <a:r>
-              <a:rPr lang="en-US" smtClean="0"/>
+              <a:rPr lang="en-US"/>
               <a:t>Fifth level</a:t>
             </a:r>
             <a:endParaRPr lang="en-CA"/>
@@ -2231,7 +2248,7 @@
           <a:p>
             <a:pPr lvl="0"/>
             <a:r>
-              <a:rPr lang="en-US" smtClean="0"/>
+              <a:rPr lang="en-US"/>
               <a:t>Click to edit Master text styles</a:t>
             </a:r>
           </a:p>
@@ -2254,7 +2271,7 @@
           <a:p>
             <a:fld id="{EEBFDBAE-1667-4A96-9D29-27BFC94744F9}" type="datetimeFigureOut">
               <a:rPr lang="en-CA" smtClean="0"/>
-              <a:t>2016-07-28</a:t>
+              <a:t>2024-10-24</a:t>
             </a:fld>
             <a:endParaRPr lang="en-CA"/>
           </a:p>
@@ -2357,7 +2374,7 @@
           </a:lstStyle>
           <a:p>
             <a:r>
-              <a:rPr lang="en-US" smtClean="0"/>
+              <a:rPr lang="en-US"/>
               <a:t>Click to edit Master title style</a:t>
             </a:r>
             <a:endParaRPr lang="en-CA"/>
@@ -2484,7 +2501,7 @@
           <a:p>
             <a:pPr lvl="0"/>
             <a:r>
-              <a:rPr lang="en-US" smtClean="0"/>
+              <a:rPr lang="en-US"/>
               <a:t>Click to edit Master text styles</a:t>
             </a:r>
           </a:p>
@@ -2507,7 +2524,7 @@
           <a:p>
             <a:fld id="{EEBFDBAE-1667-4A96-9D29-27BFC94744F9}" type="datetimeFigureOut">
               <a:rPr lang="en-CA" smtClean="0"/>
-              <a:t>2016-07-28</a:t>
+              <a:t>2024-10-24</a:t>
             </a:fld>
             <a:endParaRPr lang="en-CA"/>
           </a:p>
@@ -2616,7 +2633,7 @@
           <a:lstStyle/>
           <a:p>
             <a:r>
-              <a:rPr lang="en-US" smtClean="0"/>
+              <a:rPr lang="en-US"/>
               <a:t>Click to edit Master title style</a:t>
             </a:r>
             <a:endParaRPr lang="en-CA"/>
@@ -2650,35 +2667,35 @@
           <a:p>
             <a:pPr lvl="0"/>
             <a:r>
-              <a:rPr lang="en-US" smtClean="0"/>
+              <a:rPr lang="en-US"/>
               <a:t>Click to edit Master text styles</a:t>
             </a:r>
           </a:p>
           <a:p>
             <a:pPr lvl="1"/>
             <a:r>
-              <a:rPr lang="en-US" smtClean="0"/>
+              <a:rPr lang="en-US"/>
               <a:t>Second level</a:t>
             </a:r>
           </a:p>
           <a:p>
             <a:pPr lvl="2"/>
             <a:r>
-              <a:rPr lang="en-US" smtClean="0"/>
+              <a:rPr lang="en-US"/>
               <a:t>Third level</a:t>
             </a:r>
           </a:p>
           <a:p>
             <a:pPr lvl="3"/>
             <a:r>
-              <a:rPr lang="en-US" smtClean="0"/>
+              <a:rPr lang="en-US"/>
               <a:t>Fourth level</a:t>
             </a:r>
           </a:p>
           <a:p>
             <a:pPr lvl="4"/>
             <a:r>
-              <a:rPr lang="en-US" smtClean="0"/>
+              <a:rPr lang="en-US"/>
               <a:t>Fifth level</a:t>
             </a:r>
             <a:endParaRPr lang="en-CA"/>
@@ -2720,7 +2737,7 @@
           <a:p>
             <a:fld id="{EEBFDBAE-1667-4A96-9D29-27BFC94744F9}" type="datetimeFigureOut">
               <a:rPr lang="en-CA" smtClean="0"/>
-              <a:t>2016-07-28</a:t>
+              <a:t>2024-10-24</a:t>
             </a:fld>
             <a:endParaRPr lang="en-CA"/>
           </a:p>
@@ -3136,18 +3153,13 @@
           <a:lstStyle/>
           <a:p>
             <a:r>
-              <a:rPr lang="en-CA" dirty="0" smtClean="0">
+              <a:rPr lang="en-CA" dirty="0">
                 <a:solidFill>
                   <a:schemeClr val="tx1"/>
                 </a:solidFill>
               </a:rPr>
               <a:t>Multi-port memory controller (8 ports, 1 not shown)</a:t>
             </a:r>
-            <a:endParaRPr lang="en-CA" dirty="0">
-              <a:solidFill>
-                <a:schemeClr val="tx1"/>
-              </a:solidFill>
-            </a:endParaRPr>
           </a:p>
         </p:txBody>
       </p:sp>
@@ -4466,14 +4478,13 @@
           <a:p>
             <a:pPr algn="ctr"/>
             <a:r>
-              <a:rPr lang="en-CA" dirty="0" err="1" smtClean="0"/>
+              <a:rPr lang="en-CA" dirty="0" err="1"/>
               <a:t>DDRx</a:t>
             </a:r>
             <a:r>
-              <a:rPr lang="en-CA" dirty="0" smtClean="0"/>
+              <a:rPr lang="en-CA" dirty="0"/>
               <a:t> SDRAM Controller</a:t>
             </a:r>
-            <a:endParaRPr lang="en-CA" dirty="0"/>
           </a:p>
         </p:txBody>
       </p:sp>
@@ -5007,18 +5018,17 @@
           <a:p>
             <a:pPr algn="ctr"/>
             <a:r>
-              <a:rPr lang="en-CA" sz="1200" dirty="0" smtClean="0"/>
+              <a:rPr lang="en-CA" sz="1200" dirty="0"/>
               <a:t>GFX </a:t>
             </a:r>
             <a:r>
-              <a:rPr lang="en-CA" sz="1200" dirty="0" err="1" smtClean="0"/>
+              <a:rPr lang="en-CA" sz="1200" dirty="0" err="1"/>
               <a:t>Accel</a:t>
             </a:r>
             <a:r>
-              <a:rPr lang="en-CA" sz="1200" dirty="0" smtClean="0"/>
+              <a:rPr lang="en-CA" sz="1200" dirty="0"/>
               <a:t> Port</a:t>
             </a:r>
-            <a:endParaRPr lang="en-CA" sz="1200" dirty="0"/>
           </a:p>
         </p:txBody>
       </p:sp>
@@ -5362,10 +5372,9 @@
           <a:p>
             <a:pPr algn="ctr"/>
             <a:r>
-              <a:rPr lang="en-CA" sz="1200" dirty="0" smtClean="0"/>
+              <a:rPr lang="en-CA" sz="1200" dirty="0"/>
               <a:t>Sprite Read Port</a:t>
             </a:r>
-            <a:endParaRPr lang="en-CA" sz="1200" dirty="0"/>
           </a:p>
         </p:txBody>
       </p:sp>
@@ -5587,10 +5596,9 @@
           <a:p>
             <a:pPr algn="ctr"/>
             <a:r>
-              <a:rPr lang="en-CA" sz="1200" dirty="0" smtClean="0"/>
+              <a:rPr lang="en-CA" sz="1200" dirty="0"/>
               <a:t>Audio Read Port</a:t>
             </a:r>
-            <a:endParaRPr lang="en-CA" sz="1200" dirty="0"/>
           </a:p>
         </p:txBody>
       </p:sp>
@@ -5700,12 +5708,8 @@
           <a:lstStyle/>
           <a:p>
             <a:r>
-              <a:rPr lang="en-CA" sz="1100" dirty="0" smtClean="0"/>
-              <a:t>16 </a:t>
-            </a:r>
-            <a:r>
               <a:rPr lang="en-CA" sz="1100" dirty="0"/>
-              <a:t>bits</a:t>
+              <a:t>16 bits</a:t>
             </a:r>
           </a:p>
         </p:txBody>
@@ -5802,12 +5806,8 @@
           <a:lstStyle/>
           <a:p>
             <a:r>
-              <a:rPr lang="en-CA" sz="1100" dirty="0" smtClean="0"/>
-              <a:t>16 </a:t>
-            </a:r>
-            <a:r>
               <a:rPr lang="en-CA" sz="1100" dirty="0"/>
-              <a:t>bits</a:t>
+              <a:t>16 bits</a:t>
             </a:r>
           </a:p>
         </p:txBody>
@@ -5835,10 +5835,9 @@
           <a:lstStyle/>
           <a:p>
             <a:r>
-              <a:rPr lang="en-CA" sz="3200" dirty="0" smtClean="0"/>
+              <a:rPr lang="en-CA" sz="3200" dirty="0"/>
               <a:t>Multi-port Memory Controller</a:t>
             </a:r>
-            <a:endParaRPr lang="en-CA" sz="3200" dirty="0"/>
           </a:p>
         </p:txBody>
       </p:sp>
@@ -5865,19 +5864,19 @@
           <a:lstStyle/>
           <a:p>
             <a:r>
-              <a:rPr lang="en-CA" dirty="0" smtClean="0"/>
+              <a:rPr lang="en-CA" dirty="0"/>
               <a:t>Several ports are read-only (Sprite data, audio data, bitmap data)</a:t>
             </a:r>
           </a:p>
           <a:p>
             <a:r>
-              <a:rPr lang="en-CA" dirty="0" smtClean="0"/>
+              <a:rPr lang="en-CA" dirty="0"/>
               <a:t>Bitmap video and graphics accelerator port are 128 bit to deal with multiple pixels</a:t>
             </a:r>
           </a:p>
           <a:p>
             <a:r>
-              <a:rPr lang="en-CA" dirty="0" smtClean="0"/>
+              <a:rPr lang="en-CA" dirty="0"/>
               <a:t>CPU port is 64 bits for 64 bit CPU</a:t>
             </a:r>
           </a:p>
@@ -5890,6 +5889,1563 @@
     <p:extLst>
       <p:ext uri="{BB962C8B-B14F-4D97-AF65-F5344CB8AC3E}">
         <p14:creationId xmlns:p14="http://schemas.microsoft.com/office/powerpoint/2010/main" val="1594669483"/>
+      </p:ext>
+    </p:extLst>
+  </p:cSld>
+  <p:clrMapOvr>
+    <a:masterClrMapping/>
+  </p:clrMapOvr>
+</p:sld>
+</file>
+
+<file path=ppt/slides/slide2.xml><?xml version="1.0" encoding="utf-8"?>
+<p:sld xmlns:a="http://schemas.openxmlformats.org/drawingml/2006/main" xmlns:r="http://schemas.openxmlformats.org/officeDocument/2006/relationships" xmlns:p="http://schemas.openxmlformats.org/presentationml/2006/main">
+  <p:cSld>
+    <p:spTree>
+      <p:nvGrpSpPr>
+        <p:cNvPr id="1" name=""/>
+        <p:cNvGrpSpPr/>
+        <p:nvPr/>
+      </p:nvGrpSpPr>
+      <p:grpSpPr>
+        <a:xfrm>
+          <a:off x="0" y="0"/>
+          <a:ext cx="0" cy="0"/>
+          <a:chOff x="0" y="0"/>
+          <a:chExt cx="0" cy="0"/>
+        </a:xfrm>
+      </p:grpSpPr>
+      <p:sp>
+        <p:nvSpPr>
+          <p:cNvPr id="2" name="Title 1">
+            <a:extLst>
+              <a:ext uri="{FF2B5EF4-FFF2-40B4-BE49-F238E27FC236}">
+                <a16:creationId xmlns:a16="http://schemas.microsoft.com/office/drawing/2014/main" id="{991F3499-CF96-7A3E-981C-02E9B9090728}"/>
+              </a:ext>
+            </a:extLst>
+          </p:cNvPr>
+          <p:cNvSpPr>
+            <a:spLocks noGrp="1"/>
+          </p:cNvSpPr>
+          <p:nvPr>
+            <p:ph type="title"/>
+          </p:nvPr>
+        </p:nvSpPr>
+        <p:spPr>
+          <a:xfrm>
+            <a:off x="450055" y="576164"/>
+            <a:ext cx="8101013" cy="864096"/>
+          </a:xfrm>
+        </p:spPr>
+        <p:txBody>
+          <a:bodyPr/>
+          <a:lstStyle/>
+          <a:p>
+            <a:pPr algn="l"/>
+            <a:r>
+              <a:rPr lang="en-CA" dirty="0"/>
+              <a:t>MPMC10</a:t>
+            </a:r>
+          </a:p>
+        </p:txBody>
+      </p:sp>
+      <p:sp>
+        <p:nvSpPr>
+          <p:cNvPr id="4" name="Rectangle 3">
+            <a:extLst>
+              <a:ext uri="{FF2B5EF4-FFF2-40B4-BE49-F238E27FC236}">
+                <a16:creationId xmlns:a16="http://schemas.microsoft.com/office/drawing/2014/main" id="{9FD916CB-070B-0819-3DF7-AD4C04DCB1F0}"/>
+              </a:ext>
+            </a:extLst>
+          </p:cNvPr>
+          <p:cNvSpPr/>
+          <p:nvPr/>
+        </p:nvSpPr>
+        <p:spPr>
+          <a:xfrm>
+            <a:off x="1251908" y="2088332"/>
+            <a:ext cx="1224136" cy="216024"/>
+          </a:xfrm>
+          <a:prstGeom prst="rect">
+            <a:avLst/>
+          </a:prstGeom>
+        </p:spPr>
+        <p:style>
+          <a:lnRef idx="2">
+            <a:schemeClr val="accent1">
+              <a:shade val="15000"/>
+            </a:schemeClr>
+          </a:lnRef>
+          <a:fillRef idx="1">
+            <a:schemeClr val="accent1"/>
+          </a:fillRef>
+          <a:effectRef idx="0">
+            <a:schemeClr val="accent1"/>
+          </a:effectRef>
+          <a:fontRef idx="minor">
+            <a:schemeClr val="lt1"/>
+          </a:fontRef>
+        </p:style>
+        <p:txBody>
+          <a:bodyPr rtlCol="0" anchor="ctr"/>
+          <a:lstStyle/>
+          <a:p>
+            <a:pPr algn="ctr"/>
+            <a:r>
+              <a:rPr lang="en-CA" dirty="0"/>
+              <a:t>Channel 0</a:t>
+            </a:r>
+          </a:p>
+        </p:txBody>
+      </p:sp>
+      <p:sp>
+        <p:nvSpPr>
+          <p:cNvPr id="5" name="Rectangle 4">
+            <a:extLst>
+              <a:ext uri="{FF2B5EF4-FFF2-40B4-BE49-F238E27FC236}">
+                <a16:creationId xmlns:a16="http://schemas.microsoft.com/office/drawing/2014/main" id="{057E0A8B-1A39-F962-F9A1-B6D3F793AA95}"/>
+              </a:ext>
+            </a:extLst>
+          </p:cNvPr>
+          <p:cNvSpPr/>
+          <p:nvPr/>
+        </p:nvSpPr>
+        <p:spPr>
+          <a:xfrm>
+            <a:off x="2620059" y="2082767"/>
+            <a:ext cx="1224136" cy="216024"/>
+          </a:xfrm>
+          <a:prstGeom prst="rect">
+            <a:avLst/>
+          </a:prstGeom>
+        </p:spPr>
+        <p:style>
+          <a:lnRef idx="2">
+            <a:schemeClr val="accent1">
+              <a:shade val="15000"/>
+            </a:schemeClr>
+          </a:lnRef>
+          <a:fillRef idx="1">
+            <a:schemeClr val="accent1"/>
+          </a:fillRef>
+          <a:effectRef idx="0">
+            <a:schemeClr val="accent1"/>
+          </a:effectRef>
+          <a:fontRef idx="minor">
+            <a:schemeClr val="lt1"/>
+          </a:fontRef>
+        </p:style>
+        <p:txBody>
+          <a:bodyPr rtlCol="0" anchor="ctr"/>
+          <a:lstStyle/>
+          <a:p>
+            <a:pPr algn="ctr"/>
+            <a:r>
+              <a:rPr lang="en-CA" dirty="0"/>
+              <a:t>Channel 1</a:t>
+            </a:r>
+          </a:p>
+        </p:txBody>
+      </p:sp>
+      <p:sp>
+        <p:nvSpPr>
+          <p:cNvPr id="6" name="Rectangle 5">
+            <a:extLst>
+              <a:ext uri="{FF2B5EF4-FFF2-40B4-BE49-F238E27FC236}">
+                <a16:creationId xmlns:a16="http://schemas.microsoft.com/office/drawing/2014/main" id="{9C549781-52CD-A538-307C-98BE92DC1243}"/>
+              </a:ext>
+            </a:extLst>
+          </p:cNvPr>
+          <p:cNvSpPr/>
+          <p:nvPr/>
+        </p:nvSpPr>
+        <p:spPr>
+          <a:xfrm>
+            <a:off x="4276244" y="2082767"/>
+            <a:ext cx="1224136" cy="216024"/>
+          </a:xfrm>
+          <a:prstGeom prst="rect">
+            <a:avLst/>
+          </a:prstGeom>
+        </p:spPr>
+        <p:style>
+          <a:lnRef idx="2">
+            <a:schemeClr val="accent1">
+              <a:shade val="15000"/>
+            </a:schemeClr>
+          </a:lnRef>
+          <a:fillRef idx="1">
+            <a:schemeClr val="accent1"/>
+          </a:fillRef>
+          <a:effectRef idx="0">
+            <a:schemeClr val="accent1"/>
+          </a:effectRef>
+          <a:fontRef idx="minor">
+            <a:schemeClr val="lt1"/>
+          </a:fontRef>
+        </p:style>
+        <p:txBody>
+          <a:bodyPr rtlCol="0" anchor="ctr"/>
+          <a:lstStyle/>
+          <a:p>
+            <a:pPr algn="ctr"/>
+            <a:r>
+              <a:rPr lang="en-CA" dirty="0"/>
+              <a:t>Channel N</a:t>
+            </a:r>
+          </a:p>
+        </p:txBody>
+      </p:sp>
+      <p:sp>
+        <p:nvSpPr>
+          <p:cNvPr id="7" name="Rectangle 6">
+            <a:extLst>
+              <a:ext uri="{FF2B5EF4-FFF2-40B4-BE49-F238E27FC236}">
+                <a16:creationId xmlns:a16="http://schemas.microsoft.com/office/drawing/2014/main" id="{0AAAE406-B74A-AA5C-2D94-2C8B7315D279}"/>
+              </a:ext>
+            </a:extLst>
+          </p:cNvPr>
+          <p:cNvSpPr/>
+          <p:nvPr/>
+        </p:nvSpPr>
+        <p:spPr>
+          <a:xfrm>
+            <a:off x="1250923" y="2592388"/>
+            <a:ext cx="1224136" cy="216024"/>
+          </a:xfrm>
+          <a:prstGeom prst="rect">
+            <a:avLst/>
+          </a:prstGeom>
+        </p:spPr>
+        <p:style>
+          <a:lnRef idx="2">
+            <a:schemeClr val="accent1">
+              <a:shade val="15000"/>
+            </a:schemeClr>
+          </a:lnRef>
+          <a:fillRef idx="1">
+            <a:schemeClr val="accent1"/>
+          </a:fillRef>
+          <a:effectRef idx="0">
+            <a:schemeClr val="accent1"/>
+          </a:effectRef>
+          <a:fontRef idx="minor">
+            <a:schemeClr val="lt1"/>
+          </a:fontRef>
+        </p:style>
+        <p:txBody>
+          <a:bodyPr rtlCol="0" anchor="ctr"/>
+          <a:lstStyle/>
+          <a:p>
+            <a:pPr algn="ctr"/>
+            <a:r>
+              <a:rPr lang="en-CA" dirty="0"/>
+              <a:t>Sync 0</a:t>
+            </a:r>
+          </a:p>
+        </p:txBody>
+      </p:sp>
+      <p:sp>
+        <p:nvSpPr>
+          <p:cNvPr id="8" name="Rectangle 7">
+            <a:extLst>
+              <a:ext uri="{FF2B5EF4-FFF2-40B4-BE49-F238E27FC236}">
+                <a16:creationId xmlns:a16="http://schemas.microsoft.com/office/drawing/2014/main" id="{802789CA-1EFA-86F6-4A4D-30D24DF6E3DE}"/>
+              </a:ext>
+            </a:extLst>
+          </p:cNvPr>
+          <p:cNvSpPr/>
+          <p:nvPr/>
+        </p:nvSpPr>
+        <p:spPr>
+          <a:xfrm>
+            <a:off x="2620059" y="2592388"/>
+            <a:ext cx="1224136" cy="216024"/>
+          </a:xfrm>
+          <a:prstGeom prst="rect">
+            <a:avLst/>
+          </a:prstGeom>
+        </p:spPr>
+        <p:style>
+          <a:lnRef idx="2">
+            <a:schemeClr val="accent1">
+              <a:shade val="15000"/>
+            </a:schemeClr>
+          </a:lnRef>
+          <a:fillRef idx="1">
+            <a:schemeClr val="accent1"/>
+          </a:fillRef>
+          <a:effectRef idx="0">
+            <a:schemeClr val="accent1"/>
+          </a:effectRef>
+          <a:fontRef idx="minor">
+            <a:schemeClr val="lt1"/>
+          </a:fontRef>
+        </p:style>
+        <p:txBody>
+          <a:bodyPr rtlCol="0" anchor="ctr"/>
+          <a:lstStyle/>
+          <a:p>
+            <a:pPr algn="ctr"/>
+            <a:r>
+              <a:rPr lang="en-CA" dirty="0"/>
+              <a:t>Sync 1</a:t>
+            </a:r>
+          </a:p>
+        </p:txBody>
+      </p:sp>
+      <p:sp>
+        <p:nvSpPr>
+          <p:cNvPr id="9" name="Rectangle 8">
+            <a:extLst>
+              <a:ext uri="{FF2B5EF4-FFF2-40B4-BE49-F238E27FC236}">
+                <a16:creationId xmlns:a16="http://schemas.microsoft.com/office/drawing/2014/main" id="{1B8C2598-A6D5-5EAF-C4BF-BAE95984D184}"/>
+              </a:ext>
+            </a:extLst>
+          </p:cNvPr>
+          <p:cNvSpPr/>
+          <p:nvPr/>
+        </p:nvSpPr>
+        <p:spPr>
+          <a:xfrm>
+            <a:off x="4260181" y="2592388"/>
+            <a:ext cx="1224136" cy="216024"/>
+          </a:xfrm>
+          <a:prstGeom prst="rect">
+            <a:avLst/>
+          </a:prstGeom>
+        </p:spPr>
+        <p:style>
+          <a:lnRef idx="2">
+            <a:schemeClr val="accent1">
+              <a:shade val="15000"/>
+            </a:schemeClr>
+          </a:lnRef>
+          <a:fillRef idx="1">
+            <a:schemeClr val="accent1"/>
+          </a:fillRef>
+          <a:effectRef idx="0">
+            <a:schemeClr val="accent1"/>
+          </a:effectRef>
+          <a:fontRef idx="minor">
+            <a:schemeClr val="lt1"/>
+          </a:fontRef>
+        </p:style>
+        <p:txBody>
+          <a:bodyPr rtlCol="0" anchor="ctr"/>
+          <a:lstStyle/>
+          <a:p>
+            <a:pPr algn="ctr"/>
+            <a:r>
+              <a:rPr lang="en-CA" dirty="0"/>
+              <a:t>Sync N</a:t>
+            </a:r>
+          </a:p>
+        </p:txBody>
+      </p:sp>
+      <p:sp>
+        <p:nvSpPr>
+          <p:cNvPr id="11" name="Rectangle 10">
+            <a:extLst>
+              <a:ext uri="{FF2B5EF4-FFF2-40B4-BE49-F238E27FC236}">
+                <a16:creationId xmlns:a16="http://schemas.microsoft.com/office/drawing/2014/main" id="{FCD56716-4215-FDEF-247B-2A2140C1C9BA}"/>
+              </a:ext>
+            </a:extLst>
+          </p:cNvPr>
+          <p:cNvSpPr/>
+          <p:nvPr/>
+        </p:nvSpPr>
+        <p:spPr>
+          <a:xfrm>
+            <a:off x="1260202" y="3528492"/>
+            <a:ext cx="4304417" cy="570499"/>
+          </a:xfrm>
+          <a:prstGeom prst="rect">
+            <a:avLst/>
+          </a:prstGeom>
+        </p:spPr>
+        <p:style>
+          <a:lnRef idx="2">
+            <a:schemeClr val="accent1">
+              <a:shade val="15000"/>
+            </a:schemeClr>
+          </a:lnRef>
+          <a:fillRef idx="1">
+            <a:schemeClr val="accent1"/>
+          </a:fillRef>
+          <a:effectRef idx="0">
+            <a:schemeClr val="accent1"/>
+          </a:effectRef>
+          <a:fontRef idx="minor">
+            <a:schemeClr val="lt1"/>
+          </a:fontRef>
+        </p:style>
+        <p:txBody>
+          <a:bodyPr rtlCol="0" anchor="ctr"/>
+          <a:lstStyle/>
+          <a:p>
+            <a:pPr algn="ctr"/>
+            <a:r>
+              <a:rPr lang="en-CA" dirty="0" err="1"/>
+              <a:t>Mutliplexor</a:t>
+            </a:r>
+            <a:endParaRPr lang="en-CA" dirty="0"/>
+          </a:p>
+        </p:txBody>
+      </p:sp>
+      <p:cxnSp>
+        <p:nvCxnSpPr>
+          <p:cNvPr id="13" name="Straight Arrow Connector 12">
+            <a:extLst>
+              <a:ext uri="{FF2B5EF4-FFF2-40B4-BE49-F238E27FC236}">
+                <a16:creationId xmlns:a16="http://schemas.microsoft.com/office/drawing/2014/main" id="{33652117-5D2E-4A76-1DE9-C8802A2BD817}"/>
+              </a:ext>
+            </a:extLst>
+          </p:cNvPr>
+          <p:cNvCxnSpPr>
+            <a:stCxn id="7" idx="2"/>
+          </p:cNvCxnSpPr>
+          <p:nvPr/>
+        </p:nvCxnSpPr>
+        <p:spPr>
+          <a:xfrm>
+            <a:off x="1862991" y="2808412"/>
+            <a:ext cx="0" cy="720080"/>
+          </a:xfrm>
+          <a:prstGeom prst="straightConnector1">
+            <a:avLst/>
+          </a:prstGeom>
+          <a:ln>
+            <a:tailEnd type="triangle"/>
+          </a:ln>
+        </p:spPr>
+        <p:style>
+          <a:lnRef idx="1">
+            <a:schemeClr val="accent1"/>
+          </a:lnRef>
+          <a:fillRef idx="0">
+            <a:schemeClr val="accent1"/>
+          </a:fillRef>
+          <a:effectRef idx="0">
+            <a:schemeClr val="accent1"/>
+          </a:effectRef>
+          <a:fontRef idx="minor">
+            <a:schemeClr val="tx1"/>
+          </a:fontRef>
+        </p:style>
+      </p:cxnSp>
+      <p:cxnSp>
+        <p:nvCxnSpPr>
+          <p:cNvPr id="15" name="Straight Arrow Connector 14">
+            <a:extLst>
+              <a:ext uri="{FF2B5EF4-FFF2-40B4-BE49-F238E27FC236}">
+                <a16:creationId xmlns:a16="http://schemas.microsoft.com/office/drawing/2014/main" id="{A5F4C7D9-9044-F084-D810-01E2C55F5A89}"/>
+              </a:ext>
+            </a:extLst>
+          </p:cNvPr>
+          <p:cNvCxnSpPr>
+            <a:stCxn id="8" idx="2"/>
+          </p:cNvCxnSpPr>
+          <p:nvPr/>
+        </p:nvCxnSpPr>
+        <p:spPr>
+          <a:xfrm>
+            <a:off x="3232127" y="2808412"/>
+            <a:ext cx="0" cy="720080"/>
+          </a:xfrm>
+          <a:prstGeom prst="straightConnector1">
+            <a:avLst/>
+          </a:prstGeom>
+          <a:ln>
+            <a:tailEnd type="triangle"/>
+          </a:ln>
+        </p:spPr>
+        <p:style>
+          <a:lnRef idx="1">
+            <a:schemeClr val="accent1"/>
+          </a:lnRef>
+          <a:fillRef idx="0">
+            <a:schemeClr val="accent1"/>
+          </a:fillRef>
+          <a:effectRef idx="0">
+            <a:schemeClr val="accent1"/>
+          </a:effectRef>
+          <a:fontRef idx="minor">
+            <a:schemeClr val="tx1"/>
+          </a:fontRef>
+        </p:style>
+      </p:cxnSp>
+      <p:cxnSp>
+        <p:nvCxnSpPr>
+          <p:cNvPr id="17" name="Straight Arrow Connector 16">
+            <a:extLst>
+              <a:ext uri="{FF2B5EF4-FFF2-40B4-BE49-F238E27FC236}">
+                <a16:creationId xmlns:a16="http://schemas.microsoft.com/office/drawing/2014/main" id="{1EF636B4-9CF7-8887-48F9-C833AA13C6D8}"/>
+              </a:ext>
+            </a:extLst>
+          </p:cNvPr>
+          <p:cNvCxnSpPr>
+            <a:stCxn id="9" idx="2"/>
+          </p:cNvCxnSpPr>
+          <p:nvPr/>
+        </p:nvCxnSpPr>
+        <p:spPr>
+          <a:xfrm>
+            <a:off x="4872249" y="2808412"/>
+            <a:ext cx="0" cy="720080"/>
+          </a:xfrm>
+          <a:prstGeom prst="straightConnector1">
+            <a:avLst/>
+          </a:prstGeom>
+          <a:ln>
+            <a:tailEnd type="triangle"/>
+          </a:ln>
+        </p:spPr>
+        <p:style>
+          <a:lnRef idx="1">
+            <a:schemeClr val="accent1"/>
+          </a:lnRef>
+          <a:fillRef idx="0">
+            <a:schemeClr val="accent1"/>
+          </a:fillRef>
+          <a:effectRef idx="0">
+            <a:schemeClr val="accent1"/>
+          </a:effectRef>
+          <a:fontRef idx="minor">
+            <a:schemeClr val="tx1"/>
+          </a:fontRef>
+        </p:style>
+      </p:cxnSp>
+      <p:cxnSp>
+        <p:nvCxnSpPr>
+          <p:cNvPr id="19" name="Straight Arrow Connector 18">
+            <a:extLst>
+              <a:ext uri="{FF2B5EF4-FFF2-40B4-BE49-F238E27FC236}">
+                <a16:creationId xmlns:a16="http://schemas.microsoft.com/office/drawing/2014/main" id="{FB2CDA71-3C54-DDB4-C91B-4CA1DE042E28}"/>
+              </a:ext>
+            </a:extLst>
+          </p:cNvPr>
+          <p:cNvCxnSpPr>
+            <a:stCxn id="4" idx="2"/>
+            <a:endCxn id="7" idx="0"/>
+          </p:cNvCxnSpPr>
+          <p:nvPr/>
+        </p:nvCxnSpPr>
+        <p:spPr>
+          <a:xfrm flipH="1">
+            <a:off x="1862991" y="2304356"/>
+            <a:ext cx="985" cy="288032"/>
+          </a:xfrm>
+          <a:prstGeom prst="straightConnector1">
+            <a:avLst/>
+          </a:prstGeom>
+          <a:ln>
+            <a:tailEnd type="triangle"/>
+          </a:ln>
+        </p:spPr>
+        <p:style>
+          <a:lnRef idx="1">
+            <a:schemeClr val="accent1"/>
+          </a:lnRef>
+          <a:fillRef idx="0">
+            <a:schemeClr val="accent1"/>
+          </a:fillRef>
+          <a:effectRef idx="0">
+            <a:schemeClr val="accent1"/>
+          </a:effectRef>
+          <a:fontRef idx="minor">
+            <a:schemeClr val="tx1"/>
+          </a:fontRef>
+        </p:style>
+      </p:cxnSp>
+      <p:cxnSp>
+        <p:nvCxnSpPr>
+          <p:cNvPr id="21" name="Straight Arrow Connector 20">
+            <a:extLst>
+              <a:ext uri="{FF2B5EF4-FFF2-40B4-BE49-F238E27FC236}">
+                <a16:creationId xmlns:a16="http://schemas.microsoft.com/office/drawing/2014/main" id="{2E6E27DD-7F16-6938-7CE6-DF6CFB49C282}"/>
+              </a:ext>
+            </a:extLst>
+          </p:cNvPr>
+          <p:cNvCxnSpPr>
+            <a:cxnSpLocks/>
+          </p:cNvCxnSpPr>
+          <p:nvPr/>
+        </p:nvCxnSpPr>
+        <p:spPr>
+          <a:xfrm>
+            <a:off x="3232127" y="2265569"/>
+            <a:ext cx="0" cy="360040"/>
+          </a:xfrm>
+          <a:prstGeom prst="straightConnector1">
+            <a:avLst/>
+          </a:prstGeom>
+          <a:ln>
+            <a:tailEnd type="triangle"/>
+          </a:ln>
+        </p:spPr>
+        <p:style>
+          <a:lnRef idx="1">
+            <a:schemeClr val="accent1"/>
+          </a:lnRef>
+          <a:fillRef idx="0">
+            <a:schemeClr val="accent1"/>
+          </a:fillRef>
+          <a:effectRef idx="0">
+            <a:schemeClr val="accent1"/>
+          </a:effectRef>
+          <a:fontRef idx="minor">
+            <a:schemeClr val="tx1"/>
+          </a:fontRef>
+        </p:style>
+      </p:cxnSp>
+      <p:cxnSp>
+        <p:nvCxnSpPr>
+          <p:cNvPr id="23" name="Straight Arrow Connector 22">
+            <a:extLst>
+              <a:ext uri="{FF2B5EF4-FFF2-40B4-BE49-F238E27FC236}">
+                <a16:creationId xmlns:a16="http://schemas.microsoft.com/office/drawing/2014/main" id="{FBF7C0CA-B6A2-6E66-8F3D-11C046DA8AD9}"/>
+              </a:ext>
+            </a:extLst>
+          </p:cNvPr>
+          <p:cNvCxnSpPr>
+            <a:stCxn id="6" idx="2"/>
+            <a:endCxn id="9" idx="0"/>
+          </p:cNvCxnSpPr>
+          <p:nvPr/>
+        </p:nvCxnSpPr>
+        <p:spPr>
+          <a:xfrm flipH="1">
+            <a:off x="4872249" y="2298791"/>
+            <a:ext cx="16063" cy="293597"/>
+          </a:xfrm>
+          <a:prstGeom prst="straightConnector1">
+            <a:avLst/>
+          </a:prstGeom>
+          <a:ln>
+            <a:tailEnd type="triangle"/>
+          </a:ln>
+        </p:spPr>
+        <p:style>
+          <a:lnRef idx="1">
+            <a:schemeClr val="accent1"/>
+          </a:lnRef>
+          <a:fillRef idx="0">
+            <a:schemeClr val="accent1"/>
+          </a:fillRef>
+          <a:effectRef idx="0">
+            <a:schemeClr val="accent1"/>
+          </a:effectRef>
+          <a:fontRef idx="minor">
+            <a:schemeClr val="tx1"/>
+          </a:fontRef>
+        </p:style>
+      </p:cxnSp>
+      <p:cxnSp>
+        <p:nvCxnSpPr>
+          <p:cNvPr id="26" name="Straight Arrow Connector 25">
+            <a:extLst>
+              <a:ext uri="{FF2B5EF4-FFF2-40B4-BE49-F238E27FC236}">
+                <a16:creationId xmlns:a16="http://schemas.microsoft.com/office/drawing/2014/main" id="{67140FFB-7239-F41B-27A3-CD648572294B}"/>
+              </a:ext>
+            </a:extLst>
+          </p:cNvPr>
+          <p:cNvCxnSpPr>
+            <a:stCxn id="11" idx="2"/>
+          </p:cNvCxnSpPr>
+          <p:nvPr/>
+        </p:nvCxnSpPr>
+        <p:spPr>
+          <a:xfrm>
+            <a:off x="3412411" y="4098991"/>
+            <a:ext cx="8031" cy="509621"/>
+          </a:xfrm>
+          <a:prstGeom prst="straightConnector1">
+            <a:avLst/>
+          </a:prstGeom>
+          <a:ln>
+            <a:tailEnd type="triangle"/>
+          </a:ln>
+        </p:spPr>
+        <p:style>
+          <a:lnRef idx="1">
+            <a:schemeClr val="accent1"/>
+          </a:lnRef>
+          <a:fillRef idx="0">
+            <a:schemeClr val="accent1"/>
+          </a:fillRef>
+          <a:effectRef idx="0">
+            <a:schemeClr val="accent1"/>
+          </a:effectRef>
+          <a:fontRef idx="minor">
+            <a:schemeClr val="tx1"/>
+          </a:fontRef>
+        </p:style>
+      </p:cxnSp>
+      <p:sp>
+        <p:nvSpPr>
+          <p:cNvPr id="27" name="Rectangle 26">
+            <a:extLst>
+              <a:ext uri="{FF2B5EF4-FFF2-40B4-BE49-F238E27FC236}">
+                <a16:creationId xmlns:a16="http://schemas.microsoft.com/office/drawing/2014/main" id="{50081DBF-B176-10B9-3F31-69196DD3227F}"/>
+              </a:ext>
+            </a:extLst>
+          </p:cNvPr>
+          <p:cNvSpPr/>
+          <p:nvPr/>
+        </p:nvSpPr>
+        <p:spPr>
+          <a:xfrm>
+            <a:off x="2963242" y="4603629"/>
+            <a:ext cx="914400" cy="914400"/>
+          </a:xfrm>
+          <a:prstGeom prst="rect">
+            <a:avLst/>
+          </a:prstGeom>
+        </p:spPr>
+        <p:style>
+          <a:lnRef idx="2">
+            <a:schemeClr val="accent1">
+              <a:shade val="15000"/>
+            </a:schemeClr>
+          </a:lnRef>
+          <a:fillRef idx="1">
+            <a:schemeClr val="accent1"/>
+          </a:fillRef>
+          <a:effectRef idx="0">
+            <a:schemeClr val="accent1"/>
+          </a:effectRef>
+          <a:fontRef idx="minor">
+            <a:schemeClr val="lt1"/>
+          </a:fontRef>
+        </p:style>
+        <p:txBody>
+          <a:bodyPr rtlCol="0" anchor="ctr"/>
+          <a:lstStyle/>
+          <a:p>
+            <a:pPr algn="ctr"/>
+            <a:r>
+              <a:rPr lang="en-CA" dirty="0" err="1"/>
+              <a:t>Fifo</a:t>
+            </a:r>
+            <a:endParaRPr lang="en-CA" dirty="0"/>
+          </a:p>
+        </p:txBody>
+      </p:sp>
+      <p:cxnSp>
+        <p:nvCxnSpPr>
+          <p:cNvPr id="28" name="Straight Arrow Connector 27">
+            <a:extLst>
+              <a:ext uri="{FF2B5EF4-FFF2-40B4-BE49-F238E27FC236}">
+                <a16:creationId xmlns:a16="http://schemas.microsoft.com/office/drawing/2014/main" id="{D316021C-8145-26CE-C83F-7E392816DF25}"/>
+              </a:ext>
+            </a:extLst>
+          </p:cNvPr>
+          <p:cNvCxnSpPr/>
+          <p:nvPr/>
+        </p:nvCxnSpPr>
+        <p:spPr>
+          <a:xfrm>
+            <a:off x="3408394" y="5532545"/>
+            <a:ext cx="8031" cy="509621"/>
+          </a:xfrm>
+          <a:prstGeom prst="straightConnector1">
+            <a:avLst/>
+          </a:prstGeom>
+          <a:ln>
+            <a:tailEnd type="triangle"/>
+          </a:ln>
+        </p:spPr>
+        <p:style>
+          <a:lnRef idx="1">
+            <a:schemeClr val="accent1"/>
+          </a:lnRef>
+          <a:fillRef idx="0">
+            <a:schemeClr val="accent1"/>
+          </a:fillRef>
+          <a:effectRef idx="0">
+            <a:schemeClr val="accent1"/>
+          </a:effectRef>
+          <a:fontRef idx="minor">
+            <a:schemeClr val="tx1"/>
+          </a:fontRef>
+        </p:style>
+      </p:cxnSp>
+      <p:sp>
+        <p:nvSpPr>
+          <p:cNvPr id="29" name="Title 1">
+            <a:extLst>
+              <a:ext uri="{FF2B5EF4-FFF2-40B4-BE49-F238E27FC236}">
+                <a16:creationId xmlns:a16="http://schemas.microsoft.com/office/drawing/2014/main" id="{3A179BDB-95CB-8D01-28EE-8C884C6BB932}"/>
+              </a:ext>
+            </a:extLst>
+          </p:cNvPr>
+          <p:cNvSpPr txBox="1">
+            <a:spLocks/>
+          </p:cNvSpPr>
+          <p:nvPr/>
+        </p:nvSpPr>
+        <p:spPr>
+          <a:xfrm>
+            <a:off x="612130" y="6480820"/>
+            <a:ext cx="8101013" cy="864096"/>
+          </a:xfrm>
+          <a:prstGeom prst="rect">
+            <a:avLst/>
+          </a:prstGeom>
+        </p:spPr>
+        <p:txBody>
+          <a:bodyPr vert="horz" lIns="91437" tIns="45718" rIns="91437" bIns="45718" rtlCol="0" anchor="ctr">
+            <a:normAutofit/>
+          </a:bodyPr>
+          <a:lstStyle>
+            <a:lvl1pPr algn="ctr" defTabSz="914366" rtl="0" eaLnBrk="1" latinLnBrk="0" hangingPunct="1">
+              <a:spcBef>
+                <a:spcPct val="0"/>
+              </a:spcBef>
+              <a:buNone/>
+              <a:defRPr sz="4400" kern="1200">
+                <a:solidFill>
+                  <a:schemeClr val="tx1"/>
+                </a:solidFill>
+                <a:latin typeface="+mj-lt"/>
+                <a:ea typeface="+mj-ea"/>
+                <a:cs typeface="+mj-cs"/>
+              </a:defRPr>
+            </a:lvl1pPr>
+          </a:lstStyle>
+          <a:p>
+            <a:pPr algn="l"/>
+            <a:r>
+              <a:rPr lang="en-CA" dirty="0"/>
+              <a:t>MPMC11</a:t>
+            </a:r>
+          </a:p>
+        </p:txBody>
+      </p:sp>
+      <p:sp>
+        <p:nvSpPr>
+          <p:cNvPr id="30" name="Rectangle 29">
+            <a:extLst>
+              <a:ext uri="{FF2B5EF4-FFF2-40B4-BE49-F238E27FC236}">
+                <a16:creationId xmlns:a16="http://schemas.microsoft.com/office/drawing/2014/main" id="{F2EFE470-04C9-836B-8419-81AE0F0E6A69}"/>
+              </a:ext>
+            </a:extLst>
+          </p:cNvPr>
+          <p:cNvSpPr/>
+          <p:nvPr/>
+        </p:nvSpPr>
+        <p:spPr>
+          <a:xfrm>
+            <a:off x="1323735" y="7671734"/>
+            <a:ext cx="1224136" cy="216024"/>
+          </a:xfrm>
+          <a:prstGeom prst="rect">
+            <a:avLst/>
+          </a:prstGeom>
+        </p:spPr>
+        <p:style>
+          <a:lnRef idx="2">
+            <a:schemeClr val="accent1">
+              <a:shade val="15000"/>
+            </a:schemeClr>
+          </a:lnRef>
+          <a:fillRef idx="1">
+            <a:schemeClr val="accent1"/>
+          </a:fillRef>
+          <a:effectRef idx="0">
+            <a:schemeClr val="accent1"/>
+          </a:effectRef>
+          <a:fontRef idx="minor">
+            <a:schemeClr val="lt1"/>
+          </a:fontRef>
+        </p:style>
+        <p:txBody>
+          <a:bodyPr rtlCol="0" anchor="ctr"/>
+          <a:lstStyle/>
+          <a:p>
+            <a:pPr algn="ctr"/>
+            <a:r>
+              <a:rPr lang="en-CA" dirty="0"/>
+              <a:t>Channel 0</a:t>
+            </a:r>
+          </a:p>
+        </p:txBody>
+      </p:sp>
+      <p:sp>
+        <p:nvSpPr>
+          <p:cNvPr id="31" name="Rectangle 30">
+            <a:extLst>
+              <a:ext uri="{FF2B5EF4-FFF2-40B4-BE49-F238E27FC236}">
+                <a16:creationId xmlns:a16="http://schemas.microsoft.com/office/drawing/2014/main" id="{21BF17E2-2B19-99B8-1AD7-49AC197A8866}"/>
+              </a:ext>
+            </a:extLst>
+          </p:cNvPr>
+          <p:cNvSpPr/>
+          <p:nvPr/>
+        </p:nvSpPr>
+        <p:spPr>
+          <a:xfrm>
+            <a:off x="2691886" y="7666169"/>
+            <a:ext cx="1224136" cy="216024"/>
+          </a:xfrm>
+          <a:prstGeom prst="rect">
+            <a:avLst/>
+          </a:prstGeom>
+        </p:spPr>
+        <p:style>
+          <a:lnRef idx="2">
+            <a:schemeClr val="accent1">
+              <a:shade val="15000"/>
+            </a:schemeClr>
+          </a:lnRef>
+          <a:fillRef idx="1">
+            <a:schemeClr val="accent1"/>
+          </a:fillRef>
+          <a:effectRef idx="0">
+            <a:schemeClr val="accent1"/>
+          </a:effectRef>
+          <a:fontRef idx="minor">
+            <a:schemeClr val="lt1"/>
+          </a:fontRef>
+        </p:style>
+        <p:txBody>
+          <a:bodyPr rtlCol="0" anchor="ctr"/>
+          <a:lstStyle/>
+          <a:p>
+            <a:pPr algn="ctr"/>
+            <a:r>
+              <a:rPr lang="en-CA" dirty="0"/>
+              <a:t>Channel 1</a:t>
+            </a:r>
+          </a:p>
+        </p:txBody>
+      </p:sp>
+      <p:sp>
+        <p:nvSpPr>
+          <p:cNvPr id="32" name="Rectangle 31">
+            <a:extLst>
+              <a:ext uri="{FF2B5EF4-FFF2-40B4-BE49-F238E27FC236}">
+                <a16:creationId xmlns:a16="http://schemas.microsoft.com/office/drawing/2014/main" id="{0E91FCEE-A03F-7421-7A4C-2C2A4E53F0E1}"/>
+              </a:ext>
+            </a:extLst>
+          </p:cNvPr>
+          <p:cNvSpPr/>
+          <p:nvPr/>
+        </p:nvSpPr>
+        <p:spPr>
+          <a:xfrm>
+            <a:off x="4348071" y="7666169"/>
+            <a:ext cx="1224136" cy="216024"/>
+          </a:xfrm>
+          <a:prstGeom prst="rect">
+            <a:avLst/>
+          </a:prstGeom>
+        </p:spPr>
+        <p:style>
+          <a:lnRef idx="2">
+            <a:schemeClr val="accent1">
+              <a:shade val="15000"/>
+            </a:schemeClr>
+          </a:lnRef>
+          <a:fillRef idx="1">
+            <a:schemeClr val="accent1"/>
+          </a:fillRef>
+          <a:effectRef idx="0">
+            <a:schemeClr val="accent1"/>
+          </a:effectRef>
+          <a:fontRef idx="minor">
+            <a:schemeClr val="lt1"/>
+          </a:fontRef>
+        </p:style>
+        <p:txBody>
+          <a:bodyPr rtlCol="0" anchor="ctr"/>
+          <a:lstStyle/>
+          <a:p>
+            <a:pPr algn="ctr"/>
+            <a:r>
+              <a:rPr lang="en-CA" dirty="0"/>
+              <a:t>Channel N</a:t>
+            </a:r>
+          </a:p>
+        </p:txBody>
+      </p:sp>
+      <p:sp>
+        <p:nvSpPr>
+          <p:cNvPr id="33" name="Rectangle 32">
+            <a:extLst>
+              <a:ext uri="{FF2B5EF4-FFF2-40B4-BE49-F238E27FC236}">
+                <a16:creationId xmlns:a16="http://schemas.microsoft.com/office/drawing/2014/main" id="{4AB65C8F-B24D-F662-5F42-B30220FB8118}"/>
+              </a:ext>
+            </a:extLst>
+          </p:cNvPr>
+          <p:cNvSpPr/>
+          <p:nvPr/>
+        </p:nvSpPr>
+        <p:spPr>
+          <a:xfrm>
+            <a:off x="1478603" y="8261885"/>
+            <a:ext cx="914400" cy="914400"/>
+          </a:xfrm>
+          <a:prstGeom prst="rect">
+            <a:avLst/>
+          </a:prstGeom>
+        </p:spPr>
+        <p:style>
+          <a:lnRef idx="2">
+            <a:schemeClr val="accent1">
+              <a:shade val="15000"/>
+            </a:schemeClr>
+          </a:lnRef>
+          <a:fillRef idx="1">
+            <a:schemeClr val="accent1"/>
+          </a:fillRef>
+          <a:effectRef idx="0">
+            <a:schemeClr val="accent1"/>
+          </a:effectRef>
+          <a:fontRef idx="minor">
+            <a:schemeClr val="lt1"/>
+          </a:fontRef>
+        </p:style>
+        <p:txBody>
+          <a:bodyPr rtlCol="0" anchor="ctr"/>
+          <a:lstStyle/>
+          <a:p>
+            <a:pPr algn="ctr"/>
+            <a:r>
+              <a:rPr lang="en-CA" dirty="0" err="1"/>
+              <a:t>Fifo</a:t>
+            </a:r>
+            <a:endParaRPr lang="en-CA" dirty="0"/>
+          </a:p>
+        </p:txBody>
+      </p:sp>
+      <p:sp>
+        <p:nvSpPr>
+          <p:cNvPr id="34" name="Rectangle 33">
+            <a:extLst>
+              <a:ext uri="{FF2B5EF4-FFF2-40B4-BE49-F238E27FC236}">
+                <a16:creationId xmlns:a16="http://schemas.microsoft.com/office/drawing/2014/main" id="{D15C153F-77E2-7F0E-F338-C2BFF924ED4F}"/>
+              </a:ext>
+            </a:extLst>
+          </p:cNvPr>
+          <p:cNvSpPr/>
+          <p:nvPr/>
+        </p:nvSpPr>
+        <p:spPr>
+          <a:xfrm>
+            <a:off x="2846754" y="8260662"/>
+            <a:ext cx="914400" cy="914400"/>
+          </a:xfrm>
+          <a:prstGeom prst="rect">
+            <a:avLst/>
+          </a:prstGeom>
+        </p:spPr>
+        <p:style>
+          <a:lnRef idx="2">
+            <a:schemeClr val="accent1">
+              <a:shade val="15000"/>
+            </a:schemeClr>
+          </a:lnRef>
+          <a:fillRef idx="1">
+            <a:schemeClr val="accent1"/>
+          </a:fillRef>
+          <a:effectRef idx="0">
+            <a:schemeClr val="accent1"/>
+          </a:effectRef>
+          <a:fontRef idx="minor">
+            <a:schemeClr val="lt1"/>
+          </a:fontRef>
+        </p:style>
+        <p:txBody>
+          <a:bodyPr rtlCol="0" anchor="ctr"/>
+          <a:lstStyle/>
+          <a:p>
+            <a:pPr algn="ctr"/>
+            <a:r>
+              <a:rPr lang="en-CA" dirty="0" err="1"/>
+              <a:t>Fifo</a:t>
+            </a:r>
+            <a:endParaRPr lang="en-CA" dirty="0"/>
+          </a:p>
+        </p:txBody>
+      </p:sp>
+      <p:sp>
+        <p:nvSpPr>
+          <p:cNvPr id="35" name="Rectangle 34">
+            <a:extLst>
+              <a:ext uri="{FF2B5EF4-FFF2-40B4-BE49-F238E27FC236}">
+                <a16:creationId xmlns:a16="http://schemas.microsoft.com/office/drawing/2014/main" id="{4D8B58AB-C9C0-8353-3E81-F699F04B7C9D}"/>
+              </a:ext>
+            </a:extLst>
+          </p:cNvPr>
+          <p:cNvSpPr/>
+          <p:nvPr/>
+        </p:nvSpPr>
+        <p:spPr>
+          <a:xfrm>
+            <a:off x="4506598" y="8227308"/>
+            <a:ext cx="914400" cy="914400"/>
+          </a:xfrm>
+          <a:prstGeom prst="rect">
+            <a:avLst/>
+          </a:prstGeom>
+        </p:spPr>
+        <p:style>
+          <a:lnRef idx="2">
+            <a:schemeClr val="accent1">
+              <a:shade val="15000"/>
+            </a:schemeClr>
+          </a:lnRef>
+          <a:fillRef idx="1">
+            <a:schemeClr val="accent1"/>
+          </a:fillRef>
+          <a:effectRef idx="0">
+            <a:schemeClr val="accent1"/>
+          </a:effectRef>
+          <a:fontRef idx="minor">
+            <a:schemeClr val="lt1"/>
+          </a:fontRef>
+        </p:style>
+        <p:txBody>
+          <a:bodyPr rtlCol="0" anchor="ctr"/>
+          <a:lstStyle/>
+          <a:p>
+            <a:pPr algn="ctr"/>
+            <a:r>
+              <a:rPr lang="en-CA" dirty="0" err="1"/>
+              <a:t>Fifo</a:t>
+            </a:r>
+            <a:endParaRPr lang="en-CA" dirty="0"/>
+          </a:p>
+        </p:txBody>
+      </p:sp>
+      <p:cxnSp>
+        <p:nvCxnSpPr>
+          <p:cNvPr id="37" name="Straight Arrow Connector 36">
+            <a:extLst>
+              <a:ext uri="{FF2B5EF4-FFF2-40B4-BE49-F238E27FC236}">
+                <a16:creationId xmlns:a16="http://schemas.microsoft.com/office/drawing/2014/main" id="{1E31EEFC-F34D-C7BC-9A9A-4960B1C5DAA1}"/>
+              </a:ext>
+            </a:extLst>
+          </p:cNvPr>
+          <p:cNvCxnSpPr>
+            <a:stCxn id="30" idx="2"/>
+            <a:endCxn id="33" idx="0"/>
+          </p:cNvCxnSpPr>
+          <p:nvPr/>
+        </p:nvCxnSpPr>
+        <p:spPr>
+          <a:xfrm>
+            <a:off x="1935803" y="7887758"/>
+            <a:ext cx="0" cy="374127"/>
+          </a:xfrm>
+          <a:prstGeom prst="straightConnector1">
+            <a:avLst/>
+          </a:prstGeom>
+          <a:ln>
+            <a:tailEnd type="triangle"/>
+          </a:ln>
+        </p:spPr>
+        <p:style>
+          <a:lnRef idx="1">
+            <a:schemeClr val="accent1"/>
+          </a:lnRef>
+          <a:fillRef idx="0">
+            <a:schemeClr val="accent1"/>
+          </a:fillRef>
+          <a:effectRef idx="0">
+            <a:schemeClr val="accent1"/>
+          </a:effectRef>
+          <a:fontRef idx="minor">
+            <a:schemeClr val="tx1"/>
+          </a:fontRef>
+        </p:style>
+      </p:cxnSp>
+      <p:cxnSp>
+        <p:nvCxnSpPr>
+          <p:cNvPr id="39" name="Straight Arrow Connector 38">
+            <a:extLst>
+              <a:ext uri="{FF2B5EF4-FFF2-40B4-BE49-F238E27FC236}">
+                <a16:creationId xmlns:a16="http://schemas.microsoft.com/office/drawing/2014/main" id="{37DC64CA-5EE8-9EC2-08B9-82094AC2B5FA}"/>
+              </a:ext>
+            </a:extLst>
+          </p:cNvPr>
+          <p:cNvCxnSpPr>
+            <a:stCxn id="31" idx="2"/>
+            <a:endCxn id="34" idx="0"/>
+          </p:cNvCxnSpPr>
+          <p:nvPr/>
+        </p:nvCxnSpPr>
+        <p:spPr>
+          <a:xfrm>
+            <a:off x="3303954" y="7882193"/>
+            <a:ext cx="0" cy="378469"/>
+          </a:xfrm>
+          <a:prstGeom prst="straightConnector1">
+            <a:avLst/>
+          </a:prstGeom>
+          <a:ln>
+            <a:tailEnd type="triangle"/>
+          </a:ln>
+        </p:spPr>
+        <p:style>
+          <a:lnRef idx="1">
+            <a:schemeClr val="accent1"/>
+          </a:lnRef>
+          <a:fillRef idx="0">
+            <a:schemeClr val="accent1"/>
+          </a:fillRef>
+          <a:effectRef idx="0">
+            <a:schemeClr val="accent1"/>
+          </a:effectRef>
+          <a:fontRef idx="minor">
+            <a:schemeClr val="tx1"/>
+          </a:fontRef>
+        </p:style>
+      </p:cxnSp>
+      <p:cxnSp>
+        <p:nvCxnSpPr>
+          <p:cNvPr id="41" name="Straight Arrow Connector 40">
+            <a:extLst>
+              <a:ext uri="{FF2B5EF4-FFF2-40B4-BE49-F238E27FC236}">
+                <a16:creationId xmlns:a16="http://schemas.microsoft.com/office/drawing/2014/main" id="{45B259FB-38C2-7901-61AB-49B8C6A766D0}"/>
+              </a:ext>
+            </a:extLst>
+          </p:cNvPr>
+          <p:cNvCxnSpPr>
+            <a:stCxn id="32" idx="2"/>
+            <a:endCxn id="35" idx="0"/>
+          </p:cNvCxnSpPr>
+          <p:nvPr/>
+        </p:nvCxnSpPr>
+        <p:spPr>
+          <a:xfrm>
+            <a:off x="4960139" y="7882193"/>
+            <a:ext cx="3659" cy="345115"/>
+          </a:xfrm>
+          <a:prstGeom prst="straightConnector1">
+            <a:avLst/>
+          </a:prstGeom>
+          <a:ln>
+            <a:tailEnd type="triangle"/>
+          </a:ln>
+        </p:spPr>
+        <p:style>
+          <a:lnRef idx="1">
+            <a:schemeClr val="accent1"/>
+          </a:lnRef>
+          <a:fillRef idx="0">
+            <a:schemeClr val="accent1"/>
+          </a:fillRef>
+          <a:effectRef idx="0">
+            <a:schemeClr val="accent1"/>
+          </a:effectRef>
+          <a:fontRef idx="minor">
+            <a:schemeClr val="tx1"/>
+          </a:fontRef>
+        </p:style>
+      </p:cxnSp>
+      <p:sp>
+        <p:nvSpPr>
+          <p:cNvPr id="43" name="Rectangle 42">
+            <a:extLst>
+              <a:ext uri="{FF2B5EF4-FFF2-40B4-BE49-F238E27FC236}">
+                <a16:creationId xmlns:a16="http://schemas.microsoft.com/office/drawing/2014/main" id="{72048599-2C03-F96A-AC53-D800371765DD}"/>
+              </a:ext>
+            </a:extLst>
+          </p:cNvPr>
+          <p:cNvSpPr/>
+          <p:nvPr/>
+        </p:nvSpPr>
+        <p:spPr>
+          <a:xfrm>
+            <a:off x="1323735" y="9793188"/>
+            <a:ext cx="4304417" cy="570499"/>
+          </a:xfrm>
+          <a:prstGeom prst="rect">
+            <a:avLst/>
+          </a:prstGeom>
+        </p:spPr>
+        <p:style>
+          <a:lnRef idx="2">
+            <a:schemeClr val="accent1">
+              <a:shade val="15000"/>
+            </a:schemeClr>
+          </a:lnRef>
+          <a:fillRef idx="1">
+            <a:schemeClr val="accent1"/>
+          </a:fillRef>
+          <a:effectRef idx="0">
+            <a:schemeClr val="accent1"/>
+          </a:effectRef>
+          <a:fontRef idx="minor">
+            <a:schemeClr val="lt1"/>
+          </a:fontRef>
+        </p:style>
+        <p:txBody>
+          <a:bodyPr rtlCol="0" anchor="ctr"/>
+          <a:lstStyle/>
+          <a:p>
+            <a:pPr algn="ctr"/>
+            <a:r>
+              <a:rPr lang="en-CA" dirty="0" err="1"/>
+              <a:t>Mutliplexor</a:t>
+            </a:r>
+            <a:endParaRPr lang="en-CA" dirty="0"/>
+          </a:p>
+        </p:txBody>
+      </p:sp>
+      <p:cxnSp>
+        <p:nvCxnSpPr>
+          <p:cNvPr id="45" name="Straight Arrow Connector 44">
+            <a:extLst>
+              <a:ext uri="{FF2B5EF4-FFF2-40B4-BE49-F238E27FC236}">
+                <a16:creationId xmlns:a16="http://schemas.microsoft.com/office/drawing/2014/main" id="{0B192517-D417-ACBF-6034-76C95D5B832E}"/>
+              </a:ext>
+            </a:extLst>
+          </p:cNvPr>
+          <p:cNvCxnSpPr>
+            <a:cxnSpLocks/>
+            <a:stCxn id="33" idx="2"/>
+          </p:cNvCxnSpPr>
+          <p:nvPr/>
+        </p:nvCxnSpPr>
+        <p:spPr>
+          <a:xfrm>
+            <a:off x="1935803" y="9176285"/>
+            <a:ext cx="0" cy="616903"/>
+          </a:xfrm>
+          <a:prstGeom prst="straightConnector1">
+            <a:avLst/>
+          </a:prstGeom>
+          <a:ln>
+            <a:tailEnd type="triangle"/>
+          </a:ln>
+        </p:spPr>
+        <p:style>
+          <a:lnRef idx="1">
+            <a:schemeClr val="accent1"/>
+          </a:lnRef>
+          <a:fillRef idx="0">
+            <a:schemeClr val="accent1"/>
+          </a:fillRef>
+          <a:effectRef idx="0">
+            <a:schemeClr val="accent1"/>
+          </a:effectRef>
+          <a:fontRef idx="minor">
+            <a:schemeClr val="tx1"/>
+          </a:fontRef>
+        </p:style>
+      </p:cxnSp>
+      <p:cxnSp>
+        <p:nvCxnSpPr>
+          <p:cNvPr id="47" name="Straight Arrow Connector 46">
+            <a:extLst>
+              <a:ext uri="{FF2B5EF4-FFF2-40B4-BE49-F238E27FC236}">
+                <a16:creationId xmlns:a16="http://schemas.microsoft.com/office/drawing/2014/main" id="{AFC69ECA-95E5-4C50-DF91-1B47868AD491}"/>
+              </a:ext>
+            </a:extLst>
+          </p:cNvPr>
+          <p:cNvCxnSpPr>
+            <a:stCxn id="34" idx="2"/>
+          </p:cNvCxnSpPr>
+          <p:nvPr/>
+        </p:nvCxnSpPr>
+        <p:spPr>
+          <a:xfrm>
+            <a:off x="3303954" y="9175062"/>
+            <a:ext cx="0" cy="546118"/>
+          </a:xfrm>
+          <a:prstGeom prst="straightConnector1">
+            <a:avLst/>
+          </a:prstGeom>
+          <a:ln>
+            <a:tailEnd type="triangle"/>
+          </a:ln>
+        </p:spPr>
+        <p:style>
+          <a:lnRef idx="1">
+            <a:schemeClr val="accent1"/>
+          </a:lnRef>
+          <a:fillRef idx="0">
+            <a:schemeClr val="accent1"/>
+          </a:fillRef>
+          <a:effectRef idx="0">
+            <a:schemeClr val="accent1"/>
+          </a:effectRef>
+          <a:fontRef idx="minor">
+            <a:schemeClr val="tx1"/>
+          </a:fontRef>
+        </p:style>
+      </p:cxnSp>
+      <p:cxnSp>
+        <p:nvCxnSpPr>
+          <p:cNvPr id="50" name="Straight Arrow Connector 49">
+            <a:extLst>
+              <a:ext uri="{FF2B5EF4-FFF2-40B4-BE49-F238E27FC236}">
+                <a16:creationId xmlns:a16="http://schemas.microsoft.com/office/drawing/2014/main" id="{C974F9C0-6ACC-2F82-E3A5-78AB31C5C1A8}"/>
+              </a:ext>
+            </a:extLst>
+          </p:cNvPr>
+          <p:cNvCxnSpPr>
+            <a:stCxn id="35" idx="2"/>
+          </p:cNvCxnSpPr>
+          <p:nvPr/>
+        </p:nvCxnSpPr>
+        <p:spPr>
+          <a:xfrm flipH="1">
+            <a:off x="4960139" y="9141708"/>
+            <a:ext cx="3659" cy="651480"/>
+          </a:xfrm>
+          <a:prstGeom prst="straightConnector1">
+            <a:avLst/>
+          </a:prstGeom>
+          <a:ln>
+            <a:tailEnd type="triangle"/>
+          </a:ln>
+        </p:spPr>
+        <p:style>
+          <a:lnRef idx="1">
+            <a:schemeClr val="accent1"/>
+          </a:lnRef>
+          <a:fillRef idx="0">
+            <a:schemeClr val="accent1"/>
+          </a:fillRef>
+          <a:effectRef idx="0">
+            <a:schemeClr val="accent1"/>
+          </a:effectRef>
+          <a:fontRef idx="minor">
+            <a:schemeClr val="tx1"/>
+          </a:fontRef>
+        </p:style>
+      </p:cxnSp>
+      <p:cxnSp>
+        <p:nvCxnSpPr>
+          <p:cNvPr id="51" name="Straight Arrow Connector 50">
+            <a:extLst>
+              <a:ext uri="{FF2B5EF4-FFF2-40B4-BE49-F238E27FC236}">
+                <a16:creationId xmlns:a16="http://schemas.microsoft.com/office/drawing/2014/main" id="{0CB6F051-FCCF-174B-5B6D-162AE0B11667}"/>
+              </a:ext>
+            </a:extLst>
+          </p:cNvPr>
+          <p:cNvCxnSpPr/>
+          <p:nvPr/>
+        </p:nvCxnSpPr>
+        <p:spPr>
+          <a:xfrm>
+            <a:off x="3400363" y="10372416"/>
+            <a:ext cx="8031" cy="509621"/>
+          </a:xfrm>
+          <a:prstGeom prst="straightConnector1">
+            <a:avLst/>
+          </a:prstGeom>
+          <a:ln>
+            <a:tailEnd type="triangle"/>
+          </a:ln>
+        </p:spPr>
+        <p:style>
+          <a:lnRef idx="1">
+            <a:schemeClr val="accent1"/>
+          </a:lnRef>
+          <a:fillRef idx="0">
+            <a:schemeClr val="accent1"/>
+          </a:fillRef>
+          <a:effectRef idx="0">
+            <a:schemeClr val="accent1"/>
+          </a:effectRef>
+          <a:fontRef idx="minor">
+            <a:schemeClr val="tx1"/>
+          </a:fontRef>
+        </p:style>
+      </p:cxnSp>
+      <p:cxnSp>
+        <p:nvCxnSpPr>
+          <p:cNvPr id="53" name="Straight Connector 52">
+            <a:extLst>
+              <a:ext uri="{FF2B5EF4-FFF2-40B4-BE49-F238E27FC236}">
+                <a16:creationId xmlns:a16="http://schemas.microsoft.com/office/drawing/2014/main" id="{5D447E16-F55F-CEC4-7B8D-E34F376E30FE}"/>
+              </a:ext>
+            </a:extLst>
+          </p:cNvPr>
+          <p:cNvCxnSpPr>
+            <a:cxnSpLocks/>
+            <a:stCxn id="31" idx="3"/>
+          </p:cNvCxnSpPr>
+          <p:nvPr/>
+        </p:nvCxnSpPr>
+        <p:spPr>
+          <a:xfrm>
+            <a:off x="3916022" y="7774181"/>
+            <a:ext cx="344159" cy="0"/>
+          </a:xfrm>
+          <a:prstGeom prst="line">
+            <a:avLst/>
+          </a:prstGeom>
+          <a:ln>
+            <a:prstDash val="dashDot"/>
+          </a:ln>
+        </p:spPr>
+        <p:style>
+          <a:lnRef idx="1">
+            <a:schemeClr val="accent1"/>
+          </a:lnRef>
+          <a:fillRef idx="0">
+            <a:schemeClr val="accent1"/>
+          </a:fillRef>
+          <a:effectRef idx="0">
+            <a:schemeClr val="accent1"/>
+          </a:effectRef>
+          <a:fontRef idx="minor">
+            <a:schemeClr val="tx1"/>
+          </a:fontRef>
+        </p:style>
+      </p:cxnSp>
+      <p:cxnSp>
+        <p:nvCxnSpPr>
+          <p:cNvPr id="55" name="Straight Connector 54">
+            <a:extLst>
+              <a:ext uri="{FF2B5EF4-FFF2-40B4-BE49-F238E27FC236}">
+                <a16:creationId xmlns:a16="http://schemas.microsoft.com/office/drawing/2014/main" id="{977D6574-143F-0F8B-EBE1-1C5F0A4CC9BA}"/>
+              </a:ext>
+            </a:extLst>
+          </p:cNvPr>
+          <p:cNvCxnSpPr>
+            <a:cxnSpLocks/>
+          </p:cNvCxnSpPr>
+          <p:nvPr/>
+        </p:nvCxnSpPr>
+        <p:spPr>
+          <a:xfrm>
+            <a:off x="3877642" y="2190779"/>
+            <a:ext cx="344159" cy="0"/>
+          </a:xfrm>
+          <a:prstGeom prst="line">
+            <a:avLst/>
+          </a:prstGeom>
+          <a:ln>
+            <a:prstDash val="dashDot"/>
+          </a:ln>
+        </p:spPr>
+        <p:style>
+          <a:lnRef idx="1">
+            <a:schemeClr val="accent1"/>
+          </a:lnRef>
+          <a:fillRef idx="0">
+            <a:schemeClr val="accent1"/>
+          </a:fillRef>
+          <a:effectRef idx="0">
+            <a:schemeClr val="accent1"/>
+          </a:effectRef>
+          <a:fontRef idx="minor">
+            <a:schemeClr val="tx1"/>
+          </a:fontRef>
+        </p:style>
+      </p:cxnSp>
+    </p:spTree>
+    <p:extLst>
+      <p:ext uri="{BB962C8B-B14F-4D97-AF65-F5344CB8AC3E}">
+        <p14:creationId xmlns:p14="http://schemas.microsoft.com/office/powerpoint/2010/main" val="2074958409"/>
       </p:ext>
     </p:extLst>
   </p:cSld>
